--- a/Query_Writing/00_IntroSlides.pptx
+++ b/Query_Writing/00_IntroSlides.pptx
@@ -12,7 +12,7 @@
   </p:handoutMasterIdLst>
   <p:sldIdLst>
     <p:sldId id="1336" r:id="rId6"/>
-    <p:sldId id="1335" r:id="rId7"/>
+    <p:sldId id="11112" r:id="rId7"/>
     <p:sldId id="1329" r:id="rId8"/>
     <p:sldId id="1330" r:id="rId9"/>
     <p:sldId id="1331" r:id="rId10"/>
@@ -123,7 +123,7 @@
         <p14:section name="Core Template" id="{0C8682EF-709C-4DD2-B11B-19E2D910C2A9}">
           <p14:sldIdLst>
             <p14:sldId id="1336"/>
-            <p14:sldId id="1335"/>
+            <p14:sldId id="11112"/>
             <p14:sldId id="1329"/>
             <p14:sldId id="1330"/>
             <p14:sldId id="1331"/>
@@ -554,7 +554,7 @@
               <a:rPr lang="en-US" smtClean="0">
                 <a:latin typeface="Segoe UI" pitchFamily="34" charset="0"/>
               </a:rPr>
-              <a:t>11/3/2020 6:10 PM</a:t>
+              <a:t>4/9/2021 9:24 AM</a:t>
             </a:fld>
             <a:endParaRPr lang="en-US" dirty="0">
               <a:latin typeface="Segoe UI" pitchFamily="34" charset="0"/>
@@ -1249,7 +1249,7 @@
     </p:spTree>
     <p:extLst>
       <p:ext uri="{BB962C8B-B14F-4D97-AF65-F5344CB8AC3E}">
-        <p14:creationId xmlns:p14="http://schemas.microsoft.com/office/powerpoint/2010/main" val="3024356599"/>
+        <p14:creationId xmlns:p14="http://schemas.microsoft.com/office/powerpoint/2010/main" val="3470079024"/>
       </p:ext>
     </p:extLst>
   </p:cSld>
@@ -1481,139 +1481,6 @@
 
 <file path=ppt/slideLayouts/slideLayout10.xml><?xml version="1.0" encoding="utf-8"?>
 <p:sldLayout xmlns:a="http://schemas.openxmlformats.org/drawingml/2006/main" xmlns:r="http://schemas.openxmlformats.org/officeDocument/2006/relationships" xmlns:p="http://schemas.openxmlformats.org/presentationml/2006/main" userDrawn="1">
-  <p:cSld name="8_Title and Content">
-    <p:spTree>
-      <p:nvGrpSpPr>
-        <p:cNvPr id="1" name=""/>
-        <p:cNvGrpSpPr/>
-        <p:nvPr/>
-      </p:nvGrpSpPr>
-      <p:grpSpPr>
-        <a:xfrm>
-          <a:off x="0" y="0"/>
-          <a:ext cx="0" cy="0"/>
-          <a:chOff x="0" y="0"/>
-          <a:chExt cx="0" cy="0"/>
-        </a:xfrm>
-      </p:grpSpPr>
-      <p:sp>
-        <p:nvSpPr>
-          <p:cNvPr id="4" name="Text Placeholder 3"/>
-          <p:cNvSpPr>
-            <a:spLocks noGrp="1"/>
-          </p:cNvSpPr>
-          <p:nvPr>
-            <p:ph type="body" sz="quarter" idx="10"/>
-          </p:nvPr>
-        </p:nvSpPr>
-        <p:spPr>
-          <a:xfrm>
-            <a:off x="274639" y="1212851"/>
-            <a:ext cx="11887200" cy="2025170"/>
-          </a:xfrm>
-        </p:spPr>
-        <p:txBody>
-          <a:bodyPr>
-            <a:spAutoFit/>
-          </a:bodyPr>
-          <a:lstStyle>
-            <a:lvl1pPr>
-              <a:defRPr sz="3599"/>
-            </a:lvl1pPr>
-          </a:lstStyle>
-          <a:p>
-            <a:pPr lvl="0"/>
-            <a:r>
-              <a:rPr lang="en-US"/>
-              <a:t>Click to edit Master text styles</a:t>
-            </a:r>
-          </a:p>
-          <a:p>
-            <a:pPr lvl="1"/>
-            <a:r>
-              <a:rPr lang="en-US"/>
-              <a:t>Second level</a:t>
-            </a:r>
-          </a:p>
-          <a:p>
-            <a:pPr lvl="2"/>
-            <a:r>
-              <a:rPr lang="en-US"/>
-              <a:t>Third level</a:t>
-            </a:r>
-          </a:p>
-          <a:p>
-            <a:pPr lvl="3"/>
-            <a:r>
-              <a:rPr lang="en-US"/>
-              <a:t>Fourth level</a:t>
-            </a:r>
-          </a:p>
-          <a:p>
-            <a:pPr lvl="4"/>
-            <a:r>
-              <a:rPr lang="en-US"/>
-              <a:t>Fifth level</a:t>
-            </a:r>
-            <a:endParaRPr lang="en-US" dirty="0"/>
-          </a:p>
-        </p:txBody>
-      </p:sp>
-      <p:sp>
-        <p:nvSpPr>
-          <p:cNvPr id="5" name="Title 5">
-            <a:extLst>
-              <a:ext uri="{FF2B5EF4-FFF2-40B4-BE49-F238E27FC236}">
-                <a16:creationId xmlns:a16="http://schemas.microsoft.com/office/drawing/2014/main" id="{C8186F1A-0EF8-4C34-8D95-C79BFA98A42E}"/>
-              </a:ext>
-            </a:extLst>
-          </p:cNvPr>
-          <p:cNvSpPr>
-            <a:spLocks noGrp="1"/>
-          </p:cNvSpPr>
-          <p:nvPr>
-            <p:ph type="title"/>
-          </p:nvPr>
-        </p:nvSpPr>
-        <p:spPr>
-          <a:xfrm>
-            <a:off x="274637" y="178367"/>
-            <a:ext cx="11192828" cy="1165754"/>
-          </a:xfrm>
-        </p:spPr>
-        <p:txBody>
-          <a:bodyPr/>
-          <a:lstStyle>
-            <a:lvl1pPr>
-              <a:defRPr sz="4488"/>
-            </a:lvl1pPr>
-          </a:lstStyle>
-          <a:p>
-            <a:r>
-              <a:rPr lang="en-US" dirty="0"/>
-              <a:t>Click to edit Master title style</a:t>
-            </a:r>
-          </a:p>
-        </p:txBody>
-      </p:sp>
-    </p:spTree>
-    <p:extLst>
-      <p:ext uri="{BB962C8B-B14F-4D97-AF65-F5344CB8AC3E}">
-        <p14:creationId xmlns:p14="http://schemas.microsoft.com/office/powerpoint/2010/main" val="1713256428"/>
-      </p:ext>
-    </p:extLst>
-  </p:cSld>
-  <p:clrMapOvr>
-    <a:masterClrMapping/>
-  </p:clrMapOvr>
-  <p:transition>
-    <p:fade/>
-  </p:transition>
-</p:sldLayout>
-</file>
-
-<file path=ppt/slideLayouts/slideLayout11.xml><?xml version="1.0" encoding="utf-8"?>
-<p:sldLayout xmlns:a="http://schemas.openxmlformats.org/drawingml/2006/main" xmlns:r="http://schemas.openxmlformats.org/officeDocument/2006/relationships" xmlns:p="http://schemas.openxmlformats.org/presentationml/2006/main" userDrawn="1">
   <p:cSld name="13_Title and Content">
     <p:spTree>
       <p:nvGrpSpPr>
@@ -1745,7 +1612,7 @@
 </p:sldLayout>
 </file>
 
-<file path=ppt/slideLayouts/slideLayout12.xml><?xml version="1.0" encoding="utf-8"?>
+<file path=ppt/slideLayouts/slideLayout11.xml><?xml version="1.0" encoding="utf-8"?>
 <p:sldLayout xmlns:a="http://schemas.openxmlformats.org/drawingml/2006/main" xmlns:r="http://schemas.openxmlformats.org/officeDocument/2006/relationships" xmlns:p="http://schemas.openxmlformats.org/presentationml/2006/main" userDrawn="1">
   <p:cSld name="14_Title and Content">
     <p:spTree>
@@ -1878,7 +1745,7 @@
 </p:sldLayout>
 </file>
 
-<file path=ppt/slideLayouts/slideLayout13.xml><?xml version="1.0" encoding="utf-8"?>
+<file path=ppt/slideLayouts/slideLayout12.xml><?xml version="1.0" encoding="utf-8"?>
 <p:sldLayout xmlns:a="http://schemas.openxmlformats.org/drawingml/2006/main" xmlns:r="http://schemas.openxmlformats.org/officeDocument/2006/relationships" xmlns:p="http://schemas.openxmlformats.org/presentationml/2006/main" userDrawn="1">
   <p:cSld name="18_Title and Content">
     <p:spTree>
@@ -2011,7 +1878,7 @@
 </p:sldLayout>
 </file>
 
-<file path=ppt/slideLayouts/slideLayout14.xml><?xml version="1.0" encoding="utf-8"?>
+<file path=ppt/slideLayouts/slideLayout13.xml><?xml version="1.0" encoding="utf-8"?>
 <p:sldLayout xmlns:a="http://schemas.openxmlformats.org/drawingml/2006/main" xmlns:r="http://schemas.openxmlformats.org/officeDocument/2006/relationships" xmlns:p="http://schemas.openxmlformats.org/presentationml/2006/main" userDrawn="1">
   <p:cSld name="19_Title and Content">
     <p:spTree>
@@ -2144,7 +2011,7 @@
 </p:sldLayout>
 </file>
 
-<file path=ppt/slideLayouts/slideLayout15.xml><?xml version="1.0" encoding="utf-8"?>
+<file path=ppt/slideLayouts/slideLayout14.xml><?xml version="1.0" encoding="utf-8"?>
 <p:sldLayout xmlns:a="http://schemas.openxmlformats.org/drawingml/2006/main" xmlns:r="http://schemas.openxmlformats.org/officeDocument/2006/relationships" xmlns:p="http://schemas.openxmlformats.org/presentationml/2006/main" userDrawn="1">
   <p:cSld name="20_Title and Content">
     <p:spTree>
@@ -2277,7 +2144,7 @@
 </p:sldLayout>
 </file>
 
-<file path=ppt/slideLayouts/slideLayout16.xml><?xml version="1.0" encoding="utf-8"?>
+<file path=ppt/slideLayouts/slideLayout15.xml><?xml version="1.0" encoding="utf-8"?>
 <p:sldLayout xmlns:a="http://schemas.openxmlformats.org/drawingml/2006/main" xmlns:r="http://schemas.openxmlformats.org/officeDocument/2006/relationships" xmlns:p="http://schemas.openxmlformats.org/presentationml/2006/main" userDrawn="1">
   <p:cSld name="21_Title and Content">
     <p:spTree>
@@ -2410,7 +2277,7 @@
 </p:sldLayout>
 </file>
 
-<file path=ppt/slideLayouts/slideLayout17.xml><?xml version="1.0" encoding="utf-8"?>
+<file path=ppt/slideLayouts/slideLayout16.xml><?xml version="1.0" encoding="utf-8"?>
 <p:sldLayout xmlns:a="http://schemas.openxmlformats.org/drawingml/2006/main" xmlns:r="http://schemas.openxmlformats.org/officeDocument/2006/relationships" xmlns:p="http://schemas.openxmlformats.org/presentationml/2006/main" userDrawn="1">
   <p:cSld name="22_Title and Content">
     <p:spTree>
@@ -2543,7 +2410,7 @@
 </p:sldLayout>
 </file>
 
-<file path=ppt/slideLayouts/slideLayout18.xml><?xml version="1.0" encoding="utf-8"?>
+<file path=ppt/slideLayouts/slideLayout17.xml><?xml version="1.0" encoding="utf-8"?>
 <p:sldLayout xmlns:a="http://schemas.openxmlformats.org/drawingml/2006/main" xmlns:r="http://schemas.openxmlformats.org/officeDocument/2006/relationships" xmlns:p="http://schemas.openxmlformats.org/presentationml/2006/main" userDrawn="1">
   <p:cSld name="23_Title and Content">
     <p:spTree>
@@ -2676,7 +2543,7 @@
 </p:sldLayout>
 </file>
 
-<file path=ppt/slideLayouts/slideLayout19.xml><?xml version="1.0" encoding="utf-8"?>
+<file path=ppt/slideLayouts/slideLayout18.xml><?xml version="1.0" encoding="utf-8"?>
 <p:sldLayout xmlns:a="http://schemas.openxmlformats.org/drawingml/2006/main" xmlns:r="http://schemas.openxmlformats.org/officeDocument/2006/relationships" xmlns:p="http://schemas.openxmlformats.org/presentationml/2006/main" userDrawn="1">
   <p:cSld name="24_Title and Content">
     <p:spTree>
@@ -2797,6 +2664,139 @@
     <p:extLst>
       <p:ext uri="{BB962C8B-B14F-4D97-AF65-F5344CB8AC3E}">
         <p14:creationId xmlns:p14="http://schemas.microsoft.com/office/powerpoint/2010/main" val="756339041"/>
+      </p:ext>
+    </p:extLst>
+  </p:cSld>
+  <p:clrMapOvr>
+    <a:masterClrMapping/>
+  </p:clrMapOvr>
+  <p:transition>
+    <p:fade/>
+  </p:transition>
+</p:sldLayout>
+</file>
+
+<file path=ppt/slideLayouts/slideLayout19.xml><?xml version="1.0" encoding="utf-8"?>
+<p:sldLayout xmlns:a="http://schemas.openxmlformats.org/drawingml/2006/main" xmlns:r="http://schemas.openxmlformats.org/officeDocument/2006/relationships" xmlns:p="http://schemas.openxmlformats.org/presentationml/2006/main" userDrawn="1">
+  <p:cSld name="25_Title and Content">
+    <p:spTree>
+      <p:nvGrpSpPr>
+        <p:cNvPr id="1" name=""/>
+        <p:cNvGrpSpPr/>
+        <p:nvPr/>
+      </p:nvGrpSpPr>
+      <p:grpSpPr>
+        <a:xfrm>
+          <a:off x="0" y="0"/>
+          <a:ext cx="0" cy="0"/>
+          <a:chOff x="0" y="0"/>
+          <a:chExt cx="0" cy="0"/>
+        </a:xfrm>
+      </p:grpSpPr>
+      <p:sp>
+        <p:nvSpPr>
+          <p:cNvPr id="4" name="Text Placeholder 3"/>
+          <p:cNvSpPr>
+            <a:spLocks noGrp="1"/>
+          </p:cNvSpPr>
+          <p:nvPr>
+            <p:ph type="body" sz="quarter" idx="10"/>
+          </p:nvPr>
+        </p:nvSpPr>
+        <p:spPr>
+          <a:xfrm>
+            <a:off x="274639" y="1212851"/>
+            <a:ext cx="11887200" cy="2025170"/>
+          </a:xfrm>
+        </p:spPr>
+        <p:txBody>
+          <a:bodyPr>
+            <a:spAutoFit/>
+          </a:bodyPr>
+          <a:lstStyle>
+            <a:lvl1pPr>
+              <a:defRPr sz="3599"/>
+            </a:lvl1pPr>
+          </a:lstStyle>
+          <a:p>
+            <a:pPr lvl="0"/>
+            <a:r>
+              <a:rPr lang="en-US"/>
+              <a:t>Click to edit Master text styles</a:t>
+            </a:r>
+          </a:p>
+          <a:p>
+            <a:pPr lvl="1"/>
+            <a:r>
+              <a:rPr lang="en-US"/>
+              <a:t>Second level</a:t>
+            </a:r>
+          </a:p>
+          <a:p>
+            <a:pPr lvl="2"/>
+            <a:r>
+              <a:rPr lang="en-US"/>
+              <a:t>Third level</a:t>
+            </a:r>
+          </a:p>
+          <a:p>
+            <a:pPr lvl="3"/>
+            <a:r>
+              <a:rPr lang="en-US"/>
+              <a:t>Fourth level</a:t>
+            </a:r>
+          </a:p>
+          <a:p>
+            <a:pPr lvl="4"/>
+            <a:r>
+              <a:rPr lang="en-US"/>
+              <a:t>Fifth level</a:t>
+            </a:r>
+            <a:endParaRPr lang="en-US" dirty="0"/>
+          </a:p>
+        </p:txBody>
+      </p:sp>
+      <p:sp>
+        <p:nvSpPr>
+          <p:cNvPr id="5" name="Title 5">
+            <a:extLst>
+              <a:ext uri="{FF2B5EF4-FFF2-40B4-BE49-F238E27FC236}">
+                <a16:creationId xmlns:a16="http://schemas.microsoft.com/office/drawing/2014/main" id="{F49318DB-7D92-4444-9EA0-0BC21DE83BFC}"/>
+              </a:ext>
+            </a:extLst>
+          </p:cNvPr>
+          <p:cNvSpPr>
+            <a:spLocks noGrp="1"/>
+          </p:cNvSpPr>
+          <p:nvPr>
+            <p:ph type="title"/>
+          </p:nvPr>
+        </p:nvSpPr>
+        <p:spPr>
+          <a:xfrm>
+            <a:off x="274637" y="178367"/>
+            <a:ext cx="11192828" cy="1165754"/>
+          </a:xfrm>
+        </p:spPr>
+        <p:txBody>
+          <a:bodyPr/>
+          <a:lstStyle>
+            <a:lvl1pPr>
+              <a:defRPr sz="4488"/>
+            </a:lvl1pPr>
+          </a:lstStyle>
+          <a:p>
+            <a:r>
+              <a:rPr lang="en-US" dirty="0"/>
+              <a:t>Click to edit Master title style</a:t>
+            </a:r>
+          </a:p>
+        </p:txBody>
+      </p:sp>
+    </p:spTree>
+    <p:extLst>
+      <p:ext uri="{BB962C8B-B14F-4D97-AF65-F5344CB8AC3E}">
+        <p14:creationId xmlns:p14="http://schemas.microsoft.com/office/powerpoint/2010/main" val="2801172742"/>
       </p:ext>
     </p:extLst>
   </p:cSld>
@@ -2873,139 +2873,6 @@
 
 <file path=ppt/slideLayouts/slideLayout20.xml><?xml version="1.0" encoding="utf-8"?>
 <p:sldLayout xmlns:a="http://schemas.openxmlformats.org/drawingml/2006/main" xmlns:r="http://schemas.openxmlformats.org/officeDocument/2006/relationships" xmlns:p="http://schemas.openxmlformats.org/presentationml/2006/main" userDrawn="1">
-  <p:cSld name="25_Title and Content">
-    <p:spTree>
-      <p:nvGrpSpPr>
-        <p:cNvPr id="1" name=""/>
-        <p:cNvGrpSpPr/>
-        <p:nvPr/>
-      </p:nvGrpSpPr>
-      <p:grpSpPr>
-        <a:xfrm>
-          <a:off x="0" y="0"/>
-          <a:ext cx="0" cy="0"/>
-          <a:chOff x="0" y="0"/>
-          <a:chExt cx="0" cy="0"/>
-        </a:xfrm>
-      </p:grpSpPr>
-      <p:sp>
-        <p:nvSpPr>
-          <p:cNvPr id="4" name="Text Placeholder 3"/>
-          <p:cNvSpPr>
-            <a:spLocks noGrp="1"/>
-          </p:cNvSpPr>
-          <p:nvPr>
-            <p:ph type="body" sz="quarter" idx="10"/>
-          </p:nvPr>
-        </p:nvSpPr>
-        <p:spPr>
-          <a:xfrm>
-            <a:off x="274639" y="1212851"/>
-            <a:ext cx="11887200" cy="2025170"/>
-          </a:xfrm>
-        </p:spPr>
-        <p:txBody>
-          <a:bodyPr>
-            <a:spAutoFit/>
-          </a:bodyPr>
-          <a:lstStyle>
-            <a:lvl1pPr>
-              <a:defRPr sz="3599"/>
-            </a:lvl1pPr>
-          </a:lstStyle>
-          <a:p>
-            <a:pPr lvl="0"/>
-            <a:r>
-              <a:rPr lang="en-US"/>
-              <a:t>Click to edit Master text styles</a:t>
-            </a:r>
-          </a:p>
-          <a:p>
-            <a:pPr lvl="1"/>
-            <a:r>
-              <a:rPr lang="en-US"/>
-              <a:t>Second level</a:t>
-            </a:r>
-          </a:p>
-          <a:p>
-            <a:pPr lvl="2"/>
-            <a:r>
-              <a:rPr lang="en-US"/>
-              <a:t>Third level</a:t>
-            </a:r>
-          </a:p>
-          <a:p>
-            <a:pPr lvl="3"/>
-            <a:r>
-              <a:rPr lang="en-US"/>
-              <a:t>Fourth level</a:t>
-            </a:r>
-          </a:p>
-          <a:p>
-            <a:pPr lvl="4"/>
-            <a:r>
-              <a:rPr lang="en-US"/>
-              <a:t>Fifth level</a:t>
-            </a:r>
-            <a:endParaRPr lang="en-US" dirty="0"/>
-          </a:p>
-        </p:txBody>
-      </p:sp>
-      <p:sp>
-        <p:nvSpPr>
-          <p:cNvPr id="5" name="Title 5">
-            <a:extLst>
-              <a:ext uri="{FF2B5EF4-FFF2-40B4-BE49-F238E27FC236}">
-                <a16:creationId xmlns:a16="http://schemas.microsoft.com/office/drawing/2014/main" id="{F49318DB-7D92-4444-9EA0-0BC21DE83BFC}"/>
-              </a:ext>
-            </a:extLst>
-          </p:cNvPr>
-          <p:cNvSpPr>
-            <a:spLocks noGrp="1"/>
-          </p:cNvSpPr>
-          <p:nvPr>
-            <p:ph type="title"/>
-          </p:nvPr>
-        </p:nvSpPr>
-        <p:spPr>
-          <a:xfrm>
-            <a:off x="274637" y="178367"/>
-            <a:ext cx="11192828" cy="1165754"/>
-          </a:xfrm>
-        </p:spPr>
-        <p:txBody>
-          <a:bodyPr/>
-          <a:lstStyle>
-            <a:lvl1pPr>
-              <a:defRPr sz="4488"/>
-            </a:lvl1pPr>
-          </a:lstStyle>
-          <a:p>
-            <a:r>
-              <a:rPr lang="en-US" dirty="0"/>
-              <a:t>Click to edit Master title style</a:t>
-            </a:r>
-          </a:p>
-        </p:txBody>
-      </p:sp>
-    </p:spTree>
-    <p:extLst>
-      <p:ext uri="{BB962C8B-B14F-4D97-AF65-F5344CB8AC3E}">
-        <p14:creationId xmlns:p14="http://schemas.microsoft.com/office/powerpoint/2010/main" val="2801172742"/>
-      </p:ext>
-    </p:extLst>
-  </p:cSld>
-  <p:clrMapOvr>
-    <a:masterClrMapping/>
-  </p:clrMapOvr>
-  <p:transition>
-    <p:fade/>
-  </p:transition>
-</p:sldLayout>
-</file>
-
-<file path=ppt/slideLayouts/slideLayout21.xml><?xml version="1.0" encoding="utf-8"?>
-<p:sldLayout xmlns:a="http://schemas.openxmlformats.org/drawingml/2006/main" xmlns:r="http://schemas.openxmlformats.org/officeDocument/2006/relationships" xmlns:p="http://schemas.openxmlformats.org/presentationml/2006/main" userDrawn="1">
   <p:cSld name="26_Title and Content">
     <p:spTree>
       <p:nvGrpSpPr>
@@ -3137,7 +3004,7 @@
 </p:sldLayout>
 </file>
 
-<file path=ppt/slideLayouts/slideLayout22.xml><?xml version="1.0" encoding="utf-8"?>
+<file path=ppt/slideLayouts/slideLayout21.xml><?xml version="1.0" encoding="utf-8"?>
 <p:sldLayout xmlns:a="http://schemas.openxmlformats.org/drawingml/2006/main" xmlns:r="http://schemas.openxmlformats.org/officeDocument/2006/relationships" xmlns:p="http://schemas.openxmlformats.org/presentationml/2006/main" userDrawn="1">
   <p:cSld name="Closing logo slide">
     <p:spTree>
@@ -3255,7 +3122,7 @@
 </p:sldLayout>
 </file>
 
-<file path=ppt/slideLayouts/slideLayout23.xml><?xml version="1.0" encoding="utf-8"?>
+<file path=ppt/slideLayouts/slideLayout22.xml><?xml version="1.0" encoding="utf-8"?>
 <p:sldLayout xmlns:a="http://schemas.openxmlformats.org/drawingml/2006/main" xmlns:r="http://schemas.openxmlformats.org/officeDocument/2006/relationships" xmlns:p="http://schemas.openxmlformats.org/presentationml/2006/main" userDrawn="1">
   <p:cSld name="Title Slide Photo_Option">
     <p:spTree>
@@ -3605,6 +3472,344 @@
     </mc:Choice>
     <mc:Fallback xmlns="">
       <p:transition spd="med">
+        <p:fade/>
+      </p:transition>
+    </mc:Fallback>
+  </mc:AlternateContent>
+</p:sldLayout>
+</file>
+
+<file path=ppt/slideLayouts/slideLayout23.xml><?xml version="1.0" encoding="utf-8"?>
+<p:sldLayout xmlns:a="http://schemas.openxmlformats.org/drawingml/2006/main" xmlns:r="http://schemas.openxmlformats.org/officeDocument/2006/relationships" xmlns:p="http://schemas.openxmlformats.org/presentationml/2006/main" userDrawn="1">
+  <p:cSld name="8_Title Slide 3">
+    <p:spTree>
+      <p:nvGrpSpPr>
+        <p:cNvPr id="1" name=""/>
+        <p:cNvGrpSpPr/>
+        <p:nvPr/>
+      </p:nvGrpSpPr>
+      <p:grpSpPr>
+        <a:xfrm>
+          <a:off x="0" y="0"/>
+          <a:ext cx="0" cy="0"/>
+          <a:chOff x="0" y="0"/>
+          <a:chExt cx="0" cy="0"/>
+        </a:xfrm>
+      </p:grpSpPr>
+      <p:pic>
+        <p:nvPicPr>
+          <p:cNvPr id="8" name="Picture 7"/>
+          <p:cNvPicPr>
+            <a:picLocks noChangeAspect="1"/>
+          </p:cNvPicPr>
+          <p:nvPr userDrawn="1"/>
+        </p:nvPicPr>
+        <p:blipFill>
+          <a:blip r:embed="rId2">
+            <a:extLst>
+              <a:ext uri="{28A0092B-C50C-407E-A947-70E740481C1C}">
+                <a14:useLocalDpi xmlns:a14="http://schemas.microsoft.com/office/drawing/2010/main" val="0"/>
+              </a:ext>
+            </a:extLst>
+          </a:blip>
+          <a:stretch>
+            <a:fillRect/>
+          </a:stretch>
+        </p:blipFill>
+        <p:spPr>
+          <a:xfrm>
+            <a:off x="-106508" y="1"/>
+            <a:ext cx="12698439" cy="7129035"/>
+          </a:xfrm>
+          <a:prstGeom prst="rect">
+            <a:avLst/>
+          </a:prstGeom>
+        </p:spPr>
+      </p:pic>
+      <p:sp>
+        <p:nvSpPr>
+          <p:cNvPr id="10" name="Rectangle 9"/>
+          <p:cNvSpPr/>
+          <p:nvPr userDrawn="1"/>
+        </p:nvSpPr>
+        <p:spPr bwMode="auto">
+          <a:xfrm>
+            <a:off x="-89685" y="4"/>
+            <a:ext cx="9455906" cy="6990844"/>
+          </a:xfrm>
+          <a:prstGeom prst="rect">
+            <a:avLst/>
+          </a:prstGeom>
+          <a:gradFill flip="none" rotWithShape="1">
+            <a:gsLst>
+              <a:gs pos="64000">
+                <a:schemeClr val="tx1">
+                  <a:tint val="66000"/>
+                  <a:satMod val="160000"/>
+                  <a:lumMod val="100000"/>
+                  <a:alpha val="0"/>
+                </a:schemeClr>
+              </a:gs>
+              <a:gs pos="100000">
+                <a:schemeClr val="tx1">
+                  <a:alpha val="47000"/>
+                </a:schemeClr>
+              </a:gs>
+            </a:gsLst>
+            <a:path path="circle">
+              <a:fillToRect l="100000" t="100000"/>
+            </a:path>
+            <a:tileRect r="-100000" b="-100000"/>
+          </a:gradFill>
+          <a:ln>
+            <a:noFill/>
+            <a:headEnd type="none" w="med" len="med"/>
+            <a:tailEnd type="none" w="med" len="med"/>
+          </a:ln>
+        </p:spPr>
+        <p:style>
+          <a:lnRef idx="2">
+            <a:schemeClr val="accent1">
+              <a:shade val="50000"/>
+            </a:schemeClr>
+          </a:lnRef>
+          <a:fillRef idx="1">
+            <a:schemeClr val="accent1"/>
+          </a:fillRef>
+          <a:effectRef idx="0">
+            <a:schemeClr val="accent1"/>
+          </a:effectRef>
+          <a:fontRef idx="minor">
+            <a:schemeClr val="lt1"/>
+          </a:fontRef>
+        </p:style>
+        <p:txBody>
+          <a:bodyPr vert="horz" wrap="square" lIns="0" tIns="47548" rIns="0" bIns="47548" numCol="1" rtlCol="0" anchor="ctr" anchorCtr="0" compatLnSpc="1">
+            <a:prstTxWarp prst="textNoShape">
+              <a:avLst/>
+            </a:prstTxWarp>
+          </a:bodyPr>
+          <a:lstStyle/>
+          <a:p>
+            <a:pPr algn="ctr" defTabSz="931848" fontAlgn="base">
+              <a:spcBef>
+                <a:spcPct val="0"/>
+              </a:spcBef>
+              <a:spcAft>
+                <a:spcPct val="0"/>
+              </a:spcAft>
+            </a:pPr>
+            <a:endParaRPr lang="en-US" sz="2000" dirty="0">
+              <a:gradFill>
+                <a:gsLst>
+                  <a:gs pos="0">
+                    <a:srgbClr val="FFFFFF"/>
+                  </a:gs>
+                  <a:gs pos="100000">
+                    <a:srgbClr val="FFFFFF"/>
+                  </a:gs>
+                </a:gsLst>
+                <a:lin ang="5400000" scaled="0"/>
+              </a:gradFill>
+            </a:endParaRPr>
+          </a:p>
+        </p:txBody>
+      </p:sp>
+      <p:sp>
+        <p:nvSpPr>
+          <p:cNvPr id="16" name="Rectangle 15"/>
+          <p:cNvSpPr/>
+          <p:nvPr userDrawn="1"/>
+        </p:nvSpPr>
+        <p:spPr bwMode="auto">
+          <a:xfrm>
+            <a:off x="22801" y="1377270"/>
+            <a:ext cx="12451361" cy="3715174"/>
+          </a:xfrm>
+          <a:prstGeom prst="rect">
+            <a:avLst/>
+          </a:prstGeom>
+          <a:solidFill>
+            <a:schemeClr val="accent4">
+              <a:lumMod val="50000"/>
+              <a:alpha val="89804"/>
+            </a:schemeClr>
+          </a:solidFill>
+          <a:ln>
+            <a:noFill/>
+            <a:headEnd type="none" w="med" len="med"/>
+            <a:tailEnd type="none" w="med" len="med"/>
+          </a:ln>
+          <a:effectLst/>
+        </p:spPr>
+        <p:style>
+          <a:lnRef idx="1">
+            <a:schemeClr val="accent2"/>
+          </a:lnRef>
+          <a:fillRef idx="3">
+            <a:schemeClr val="accent2"/>
+          </a:fillRef>
+          <a:effectRef idx="2">
+            <a:schemeClr val="accent2"/>
+          </a:effectRef>
+          <a:fontRef idx="minor">
+            <a:schemeClr val="lt1"/>
+          </a:fontRef>
+        </p:style>
+        <p:txBody>
+          <a:bodyPr rot="0" spcFirstLastPara="0" vertOverflow="overflow" horzOverflow="overflow" vert="horz" wrap="square" lIns="182801" tIns="146241" rIns="182801" bIns="146241" numCol="1" spcCol="0" rtlCol="0" fromWordArt="0" anchor="t" anchorCtr="0" forceAA="0" compatLnSpc="1">
+            <a:prstTxWarp prst="textNoShape">
+              <a:avLst/>
+            </a:prstTxWarp>
+            <a:noAutofit/>
+          </a:bodyPr>
+          <a:lstStyle/>
+          <a:p>
+            <a:pPr algn="ctr" defTabSz="931938" fontAlgn="base">
+              <a:lnSpc>
+                <a:spcPct val="90000"/>
+              </a:lnSpc>
+              <a:spcBef>
+                <a:spcPct val="0"/>
+              </a:spcBef>
+              <a:spcAft>
+                <a:spcPct val="0"/>
+              </a:spcAft>
+            </a:pPr>
+            <a:endParaRPr lang="en-US" sz="2400" dirty="0">
+              <a:solidFill>
+                <a:srgbClr val="008272"/>
+              </a:solidFill>
+              <a:ea typeface="Segoe UI" pitchFamily="34" charset="0"/>
+              <a:cs typeface="Segoe UI" pitchFamily="34" charset="0"/>
+            </a:endParaRPr>
+          </a:p>
+        </p:txBody>
+      </p:sp>
+      <p:sp>
+        <p:nvSpPr>
+          <p:cNvPr id="2" name="Title 1"/>
+          <p:cNvSpPr>
+            <a:spLocks noGrp="1"/>
+          </p:cNvSpPr>
+          <p:nvPr userDrawn="1">
+            <p:ph type="title" hasCustomPrompt="1"/>
+          </p:nvPr>
+        </p:nvSpPr>
+        <p:spPr>
+          <a:xfrm>
+            <a:off x="274706" y="1432264"/>
+            <a:ext cx="5144048" cy="1831379"/>
+          </a:xfrm>
+          <a:noFill/>
+        </p:spPr>
+        <p:txBody>
+          <a:bodyPr lIns="149216" tIns="93261" rIns="149216" bIns="93261" anchor="t" anchorCtr="0"/>
+          <a:lstStyle>
+            <a:lvl1pPr>
+              <a:lnSpc>
+                <a:spcPct val="150000"/>
+              </a:lnSpc>
+              <a:defRPr sz="4896" spc="-100" baseline="0">
+                <a:gradFill>
+                  <a:gsLst>
+                    <a:gs pos="5833">
+                      <a:srgbClr val="FFFFFF"/>
+                    </a:gs>
+                    <a:gs pos="18000">
+                      <a:srgbClr val="FFFFFF"/>
+                    </a:gs>
+                  </a:gsLst>
+                  <a:lin ang="5400000" scaled="0"/>
+                </a:gradFill>
+              </a:defRPr>
+            </a:lvl1pPr>
+          </a:lstStyle>
+          <a:p>
+            <a:r>
+              <a:rPr lang="en-US" dirty="0"/>
+              <a:t>Presentation title</a:t>
+            </a:r>
+          </a:p>
+        </p:txBody>
+      </p:sp>
+      <p:sp>
+        <p:nvSpPr>
+          <p:cNvPr id="5" name="Text Placeholder 4"/>
+          <p:cNvSpPr>
+            <a:spLocks noGrp="1"/>
+          </p:cNvSpPr>
+          <p:nvPr userDrawn="1">
+            <p:ph type="body" sz="quarter" idx="12" hasCustomPrompt="1"/>
+          </p:nvPr>
+        </p:nvSpPr>
+        <p:spPr>
+          <a:xfrm>
+            <a:off x="274706" y="3263642"/>
+            <a:ext cx="5144048" cy="1828801"/>
+          </a:xfrm>
+          <a:noFill/>
+        </p:spPr>
+        <p:txBody>
+          <a:bodyPr lIns="149216" tIns="111912" rIns="149216" bIns="111912">
+            <a:noAutofit/>
+          </a:bodyPr>
+          <a:lstStyle>
+            <a:lvl1pPr marL="0" indent="0">
+              <a:spcBef>
+                <a:spcPts val="0"/>
+              </a:spcBef>
+              <a:buNone/>
+              <a:defRPr sz="3598" spc="0" baseline="0">
+                <a:gradFill>
+                  <a:gsLst>
+                    <a:gs pos="0">
+                      <a:srgbClr val="FFFFFF"/>
+                    </a:gs>
+                    <a:gs pos="100000">
+                      <a:srgbClr val="FFFFFF"/>
+                    </a:gs>
+                  </a:gsLst>
+                  <a:lin ang="5400000" scaled="0"/>
+                </a:gradFill>
+                <a:latin typeface="+mj-lt"/>
+              </a:defRPr>
+            </a:lvl1pPr>
+          </a:lstStyle>
+          <a:p>
+            <a:pPr lvl="0"/>
+            <a:r>
+              <a:rPr lang="en-US" dirty="0"/>
+              <a:t>Speaker Name</a:t>
+            </a:r>
+          </a:p>
+          <a:p>
+            <a:pPr lvl="0"/>
+            <a:r>
+              <a:rPr lang="en-US" dirty="0"/>
+              <a:t>Microsoft Learning</a:t>
+            </a:r>
+          </a:p>
+        </p:txBody>
+      </p:sp>
+    </p:spTree>
+    <p:extLst>
+      <p:ext uri="{BB962C8B-B14F-4D97-AF65-F5344CB8AC3E}">
+        <p14:creationId xmlns:p14="http://schemas.microsoft.com/office/powerpoint/2010/main" val="2856874061"/>
+      </p:ext>
+    </p:extLst>
+  </p:cSld>
+  <p:clrMapOvr>
+    <a:masterClrMapping/>
+  </p:clrMapOvr>
+  <mc:AlternateContent xmlns:mc="http://schemas.openxmlformats.org/markup-compatibility/2006" xmlns:p14="http://schemas.microsoft.com/office/powerpoint/2010/main">
+    <mc:Choice Requires="p14">
+      <p:transition spd="slow" p14:dur="3400">
+        <p14:reveal/>
+      </p:transition>
+    </mc:Choice>
+    <mc:Fallback xmlns="">
+      <p:transition spd="slow">
         <p:fade/>
       </p:transition>
     </mc:Fallback>
@@ -3873,7 +4078,7 @@
                 </a:solidFill>
               </a:rPr>
               <a:pPr/>
-              <a:t>11/3/2020</a:t>
+              <a:t>4/9/2021</a:t>
             </a:fld>
             <a:endParaRPr lang="en-US" dirty="0">
               <a:solidFill>
@@ -4195,344 +4400,6 @@
 
 <file path=ppt/slideLayouts/slideLayout6.xml><?xml version="1.0" encoding="utf-8"?>
 <p:sldLayout xmlns:a="http://schemas.openxmlformats.org/drawingml/2006/main" xmlns:r="http://schemas.openxmlformats.org/officeDocument/2006/relationships" xmlns:p="http://schemas.openxmlformats.org/presentationml/2006/main" userDrawn="1">
-  <p:cSld name="8_Title Slide 3">
-    <p:spTree>
-      <p:nvGrpSpPr>
-        <p:cNvPr id="1" name=""/>
-        <p:cNvGrpSpPr/>
-        <p:nvPr/>
-      </p:nvGrpSpPr>
-      <p:grpSpPr>
-        <a:xfrm>
-          <a:off x="0" y="0"/>
-          <a:ext cx="0" cy="0"/>
-          <a:chOff x="0" y="0"/>
-          <a:chExt cx="0" cy="0"/>
-        </a:xfrm>
-      </p:grpSpPr>
-      <p:pic>
-        <p:nvPicPr>
-          <p:cNvPr id="8" name="Picture 7"/>
-          <p:cNvPicPr>
-            <a:picLocks noChangeAspect="1"/>
-          </p:cNvPicPr>
-          <p:nvPr userDrawn="1"/>
-        </p:nvPicPr>
-        <p:blipFill>
-          <a:blip r:embed="rId2">
-            <a:extLst>
-              <a:ext uri="{28A0092B-C50C-407E-A947-70E740481C1C}">
-                <a14:useLocalDpi xmlns:a14="http://schemas.microsoft.com/office/drawing/2010/main" val="0"/>
-              </a:ext>
-            </a:extLst>
-          </a:blip>
-          <a:stretch>
-            <a:fillRect/>
-          </a:stretch>
-        </p:blipFill>
-        <p:spPr>
-          <a:xfrm>
-            <a:off x="-106508" y="1"/>
-            <a:ext cx="12698439" cy="7129035"/>
-          </a:xfrm>
-          <a:prstGeom prst="rect">
-            <a:avLst/>
-          </a:prstGeom>
-        </p:spPr>
-      </p:pic>
-      <p:sp>
-        <p:nvSpPr>
-          <p:cNvPr id="10" name="Rectangle 9"/>
-          <p:cNvSpPr/>
-          <p:nvPr userDrawn="1"/>
-        </p:nvSpPr>
-        <p:spPr bwMode="auto">
-          <a:xfrm>
-            <a:off x="-89685" y="4"/>
-            <a:ext cx="9455906" cy="6990844"/>
-          </a:xfrm>
-          <a:prstGeom prst="rect">
-            <a:avLst/>
-          </a:prstGeom>
-          <a:gradFill flip="none" rotWithShape="1">
-            <a:gsLst>
-              <a:gs pos="64000">
-                <a:schemeClr val="tx1">
-                  <a:tint val="66000"/>
-                  <a:satMod val="160000"/>
-                  <a:lumMod val="100000"/>
-                  <a:alpha val="0"/>
-                </a:schemeClr>
-              </a:gs>
-              <a:gs pos="100000">
-                <a:schemeClr val="tx1">
-                  <a:alpha val="47000"/>
-                </a:schemeClr>
-              </a:gs>
-            </a:gsLst>
-            <a:path path="circle">
-              <a:fillToRect l="100000" t="100000"/>
-            </a:path>
-            <a:tileRect r="-100000" b="-100000"/>
-          </a:gradFill>
-          <a:ln>
-            <a:noFill/>
-            <a:headEnd type="none" w="med" len="med"/>
-            <a:tailEnd type="none" w="med" len="med"/>
-          </a:ln>
-        </p:spPr>
-        <p:style>
-          <a:lnRef idx="2">
-            <a:schemeClr val="accent1">
-              <a:shade val="50000"/>
-            </a:schemeClr>
-          </a:lnRef>
-          <a:fillRef idx="1">
-            <a:schemeClr val="accent1"/>
-          </a:fillRef>
-          <a:effectRef idx="0">
-            <a:schemeClr val="accent1"/>
-          </a:effectRef>
-          <a:fontRef idx="minor">
-            <a:schemeClr val="lt1"/>
-          </a:fontRef>
-        </p:style>
-        <p:txBody>
-          <a:bodyPr vert="horz" wrap="square" lIns="0" tIns="47548" rIns="0" bIns="47548" numCol="1" rtlCol="0" anchor="ctr" anchorCtr="0" compatLnSpc="1">
-            <a:prstTxWarp prst="textNoShape">
-              <a:avLst/>
-            </a:prstTxWarp>
-          </a:bodyPr>
-          <a:lstStyle/>
-          <a:p>
-            <a:pPr algn="ctr" defTabSz="931848" fontAlgn="base">
-              <a:spcBef>
-                <a:spcPct val="0"/>
-              </a:spcBef>
-              <a:spcAft>
-                <a:spcPct val="0"/>
-              </a:spcAft>
-            </a:pPr>
-            <a:endParaRPr lang="en-US" sz="2000" dirty="0">
-              <a:gradFill>
-                <a:gsLst>
-                  <a:gs pos="0">
-                    <a:srgbClr val="FFFFFF"/>
-                  </a:gs>
-                  <a:gs pos="100000">
-                    <a:srgbClr val="FFFFFF"/>
-                  </a:gs>
-                </a:gsLst>
-                <a:lin ang="5400000" scaled="0"/>
-              </a:gradFill>
-            </a:endParaRPr>
-          </a:p>
-        </p:txBody>
-      </p:sp>
-      <p:sp>
-        <p:nvSpPr>
-          <p:cNvPr id="16" name="Rectangle 15"/>
-          <p:cNvSpPr/>
-          <p:nvPr userDrawn="1"/>
-        </p:nvSpPr>
-        <p:spPr bwMode="auto">
-          <a:xfrm>
-            <a:off x="22801" y="1377270"/>
-            <a:ext cx="12451361" cy="3715174"/>
-          </a:xfrm>
-          <a:prstGeom prst="rect">
-            <a:avLst/>
-          </a:prstGeom>
-          <a:solidFill>
-            <a:schemeClr val="accent4">
-              <a:lumMod val="50000"/>
-              <a:alpha val="89804"/>
-            </a:schemeClr>
-          </a:solidFill>
-          <a:ln>
-            <a:noFill/>
-            <a:headEnd type="none" w="med" len="med"/>
-            <a:tailEnd type="none" w="med" len="med"/>
-          </a:ln>
-          <a:effectLst/>
-        </p:spPr>
-        <p:style>
-          <a:lnRef idx="1">
-            <a:schemeClr val="accent2"/>
-          </a:lnRef>
-          <a:fillRef idx="3">
-            <a:schemeClr val="accent2"/>
-          </a:fillRef>
-          <a:effectRef idx="2">
-            <a:schemeClr val="accent2"/>
-          </a:effectRef>
-          <a:fontRef idx="minor">
-            <a:schemeClr val="lt1"/>
-          </a:fontRef>
-        </p:style>
-        <p:txBody>
-          <a:bodyPr rot="0" spcFirstLastPara="0" vertOverflow="overflow" horzOverflow="overflow" vert="horz" wrap="square" lIns="182801" tIns="146241" rIns="182801" bIns="146241" numCol="1" spcCol="0" rtlCol="0" fromWordArt="0" anchor="t" anchorCtr="0" forceAA="0" compatLnSpc="1">
-            <a:prstTxWarp prst="textNoShape">
-              <a:avLst/>
-            </a:prstTxWarp>
-            <a:noAutofit/>
-          </a:bodyPr>
-          <a:lstStyle/>
-          <a:p>
-            <a:pPr algn="ctr" defTabSz="931938" fontAlgn="base">
-              <a:lnSpc>
-                <a:spcPct val="90000"/>
-              </a:lnSpc>
-              <a:spcBef>
-                <a:spcPct val="0"/>
-              </a:spcBef>
-              <a:spcAft>
-                <a:spcPct val="0"/>
-              </a:spcAft>
-            </a:pPr>
-            <a:endParaRPr lang="en-US" sz="2400" dirty="0">
-              <a:solidFill>
-                <a:srgbClr val="008272"/>
-              </a:solidFill>
-              <a:ea typeface="Segoe UI" pitchFamily="34" charset="0"/>
-              <a:cs typeface="Segoe UI" pitchFamily="34" charset="0"/>
-            </a:endParaRPr>
-          </a:p>
-        </p:txBody>
-      </p:sp>
-      <p:sp>
-        <p:nvSpPr>
-          <p:cNvPr id="2" name="Title 1"/>
-          <p:cNvSpPr>
-            <a:spLocks noGrp="1"/>
-          </p:cNvSpPr>
-          <p:nvPr userDrawn="1">
-            <p:ph type="title" hasCustomPrompt="1"/>
-          </p:nvPr>
-        </p:nvSpPr>
-        <p:spPr>
-          <a:xfrm>
-            <a:off x="274706" y="1432264"/>
-            <a:ext cx="5144048" cy="1831379"/>
-          </a:xfrm>
-          <a:noFill/>
-        </p:spPr>
-        <p:txBody>
-          <a:bodyPr lIns="149216" tIns="93261" rIns="149216" bIns="93261" anchor="t" anchorCtr="0"/>
-          <a:lstStyle>
-            <a:lvl1pPr>
-              <a:lnSpc>
-                <a:spcPct val="150000"/>
-              </a:lnSpc>
-              <a:defRPr sz="4896" spc="-100" baseline="0">
-                <a:gradFill>
-                  <a:gsLst>
-                    <a:gs pos="5833">
-                      <a:srgbClr val="FFFFFF"/>
-                    </a:gs>
-                    <a:gs pos="18000">
-                      <a:srgbClr val="FFFFFF"/>
-                    </a:gs>
-                  </a:gsLst>
-                  <a:lin ang="5400000" scaled="0"/>
-                </a:gradFill>
-              </a:defRPr>
-            </a:lvl1pPr>
-          </a:lstStyle>
-          <a:p>
-            <a:r>
-              <a:rPr lang="en-US" dirty="0"/>
-              <a:t>Presentation title</a:t>
-            </a:r>
-          </a:p>
-        </p:txBody>
-      </p:sp>
-      <p:sp>
-        <p:nvSpPr>
-          <p:cNvPr id="5" name="Text Placeholder 4"/>
-          <p:cNvSpPr>
-            <a:spLocks noGrp="1"/>
-          </p:cNvSpPr>
-          <p:nvPr userDrawn="1">
-            <p:ph type="body" sz="quarter" idx="12" hasCustomPrompt="1"/>
-          </p:nvPr>
-        </p:nvSpPr>
-        <p:spPr>
-          <a:xfrm>
-            <a:off x="274706" y="3263642"/>
-            <a:ext cx="5144048" cy="1828801"/>
-          </a:xfrm>
-          <a:noFill/>
-        </p:spPr>
-        <p:txBody>
-          <a:bodyPr lIns="149216" tIns="111912" rIns="149216" bIns="111912">
-            <a:noAutofit/>
-          </a:bodyPr>
-          <a:lstStyle>
-            <a:lvl1pPr marL="0" indent="0">
-              <a:spcBef>
-                <a:spcPts val="0"/>
-              </a:spcBef>
-              <a:buNone/>
-              <a:defRPr sz="3598" spc="0" baseline="0">
-                <a:gradFill>
-                  <a:gsLst>
-                    <a:gs pos="0">
-                      <a:srgbClr val="FFFFFF"/>
-                    </a:gs>
-                    <a:gs pos="100000">
-                      <a:srgbClr val="FFFFFF"/>
-                    </a:gs>
-                  </a:gsLst>
-                  <a:lin ang="5400000" scaled="0"/>
-                </a:gradFill>
-                <a:latin typeface="+mj-lt"/>
-              </a:defRPr>
-            </a:lvl1pPr>
-          </a:lstStyle>
-          <a:p>
-            <a:pPr lvl="0"/>
-            <a:r>
-              <a:rPr lang="en-US" dirty="0"/>
-              <a:t>Speaker Name</a:t>
-            </a:r>
-          </a:p>
-          <a:p>
-            <a:pPr lvl="0"/>
-            <a:r>
-              <a:rPr lang="en-US" dirty="0"/>
-              <a:t>Microsoft Learning</a:t>
-            </a:r>
-          </a:p>
-        </p:txBody>
-      </p:sp>
-    </p:spTree>
-    <p:extLst>
-      <p:ext uri="{BB962C8B-B14F-4D97-AF65-F5344CB8AC3E}">
-        <p14:creationId xmlns:p14="http://schemas.microsoft.com/office/powerpoint/2010/main" val="2381678338"/>
-      </p:ext>
-    </p:extLst>
-  </p:cSld>
-  <p:clrMapOvr>
-    <a:masterClrMapping/>
-  </p:clrMapOvr>
-  <mc:AlternateContent xmlns:mc="http://schemas.openxmlformats.org/markup-compatibility/2006" xmlns:p14="http://schemas.microsoft.com/office/powerpoint/2010/main">
-    <mc:Choice Requires="p14">
-      <p:transition spd="slow" p14:dur="3400">
-        <p14:reveal/>
-      </p:transition>
-    </mc:Choice>
-    <mc:Fallback xmlns="">
-      <p:transition spd="slow">
-        <p:fade/>
-      </p:transition>
-    </mc:Fallback>
-  </mc:AlternateContent>
-</p:sldLayout>
-</file>
-
-<file path=ppt/slideLayouts/slideLayout7.xml><?xml version="1.0" encoding="utf-8"?>
-<p:sldLayout xmlns:a="http://schemas.openxmlformats.org/drawingml/2006/main" xmlns:r="http://schemas.openxmlformats.org/officeDocument/2006/relationships" xmlns:p="http://schemas.openxmlformats.org/presentationml/2006/main" userDrawn="1">
   <p:cSld name="Title and Content 1st level color text">
     <p:spTree>
       <p:nvGrpSpPr>
@@ -4670,7 +4537,7 @@
 </p:sldLayout>
 </file>
 
-<file path=ppt/slideLayouts/slideLayout8.xml><?xml version="1.0" encoding="utf-8"?>
+<file path=ppt/slideLayouts/slideLayout7.xml><?xml version="1.0" encoding="utf-8"?>
 <p:sldLayout xmlns:a="http://schemas.openxmlformats.org/drawingml/2006/main" xmlns:r="http://schemas.openxmlformats.org/officeDocument/2006/relationships" xmlns:p="http://schemas.openxmlformats.org/presentationml/2006/main" userDrawn="1">
   <p:cSld name="Title &amp; Non-bulleted text">
     <p:spTree>
@@ -4831,7 +4698,7 @@
 </p:sldLayout>
 </file>
 
-<file path=ppt/slideLayouts/slideLayout9.xml><?xml version="1.0" encoding="utf-8"?>
+<file path=ppt/slideLayouts/slideLayout8.xml><?xml version="1.0" encoding="utf-8"?>
 <p:sldLayout xmlns:a="http://schemas.openxmlformats.org/drawingml/2006/main" xmlns:r="http://schemas.openxmlformats.org/officeDocument/2006/relationships" xmlns:p="http://schemas.openxmlformats.org/presentationml/2006/main" userDrawn="1">
   <p:cSld name="7_Title and Content">
     <p:spTree>
@@ -4952,6 +4819,139 @@
     <p:extLst>
       <p:ext uri="{BB962C8B-B14F-4D97-AF65-F5344CB8AC3E}">
         <p14:creationId xmlns:p14="http://schemas.microsoft.com/office/powerpoint/2010/main" val="3164807594"/>
+      </p:ext>
+    </p:extLst>
+  </p:cSld>
+  <p:clrMapOvr>
+    <a:masterClrMapping/>
+  </p:clrMapOvr>
+  <p:transition>
+    <p:fade/>
+  </p:transition>
+</p:sldLayout>
+</file>
+
+<file path=ppt/slideLayouts/slideLayout9.xml><?xml version="1.0" encoding="utf-8"?>
+<p:sldLayout xmlns:a="http://schemas.openxmlformats.org/drawingml/2006/main" xmlns:r="http://schemas.openxmlformats.org/officeDocument/2006/relationships" xmlns:p="http://schemas.openxmlformats.org/presentationml/2006/main" userDrawn="1">
+  <p:cSld name="8_Title and Content">
+    <p:spTree>
+      <p:nvGrpSpPr>
+        <p:cNvPr id="1" name=""/>
+        <p:cNvGrpSpPr/>
+        <p:nvPr/>
+      </p:nvGrpSpPr>
+      <p:grpSpPr>
+        <a:xfrm>
+          <a:off x="0" y="0"/>
+          <a:ext cx="0" cy="0"/>
+          <a:chOff x="0" y="0"/>
+          <a:chExt cx="0" cy="0"/>
+        </a:xfrm>
+      </p:grpSpPr>
+      <p:sp>
+        <p:nvSpPr>
+          <p:cNvPr id="4" name="Text Placeholder 3"/>
+          <p:cNvSpPr>
+            <a:spLocks noGrp="1"/>
+          </p:cNvSpPr>
+          <p:nvPr>
+            <p:ph type="body" sz="quarter" idx="10"/>
+          </p:nvPr>
+        </p:nvSpPr>
+        <p:spPr>
+          <a:xfrm>
+            <a:off x="274639" y="1212851"/>
+            <a:ext cx="11887200" cy="2025170"/>
+          </a:xfrm>
+        </p:spPr>
+        <p:txBody>
+          <a:bodyPr>
+            <a:spAutoFit/>
+          </a:bodyPr>
+          <a:lstStyle>
+            <a:lvl1pPr>
+              <a:defRPr sz="3599"/>
+            </a:lvl1pPr>
+          </a:lstStyle>
+          <a:p>
+            <a:pPr lvl="0"/>
+            <a:r>
+              <a:rPr lang="en-US"/>
+              <a:t>Click to edit Master text styles</a:t>
+            </a:r>
+          </a:p>
+          <a:p>
+            <a:pPr lvl="1"/>
+            <a:r>
+              <a:rPr lang="en-US"/>
+              <a:t>Second level</a:t>
+            </a:r>
+          </a:p>
+          <a:p>
+            <a:pPr lvl="2"/>
+            <a:r>
+              <a:rPr lang="en-US"/>
+              <a:t>Third level</a:t>
+            </a:r>
+          </a:p>
+          <a:p>
+            <a:pPr lvl="3"/>
+            <a:r>
+              <a:rPr lang="en-US"/>
+              <a:t>Fourth level</a:t>
+            </a:r>
+          </a:p>
+          <a:p>
+            <a:pPr lvl="4"/>
+            <a:r>
+              <a:rPr lang="en-US"/>
+              <a:t>Fifth level</a:t>
+            </a:r>
+            <a:endParaRPr lang="en-US" dirty="0"/>
+          </a:p>
+        </p:txBody>
+      </p:sp>
+      <p:sp>
+        <p:nvSpPr>
+          <p:cNvPr id="5" name="Title 5">
+            <a:extLst>
+              <a:ext uri="{FF2B5EF4-FFF2-40B4-BE49-F238E27FC236}">
+                <a16:creationId xmlns:a16="http://schemas.microsoft.com/office/drawing/2014/main" id="{C8186F1A-0EF8-4C34-8D95-C79BFA98A42E}"/>
+              </a:ext>
+            </a:extLst>
+          </p:cNvPr>
+          <p:cNvSpPr>
+            <a:spLocks noGrp="1"/>
+          </p:cNvSpPr>
+          <p:nvPr>
+            <p:ph type="title"/>
+          </p:nvPr>
+        </p:nvSpPr>
+        <p:spPr>
+          <a:xfrm>
+            <a:off x="274637" y="178367"/>
+            <a:ext cx="11192828" cy="1165754"/>
+          </a:xfrm>
+        </p:spPr>
+        <p:txBody>
+          <a:bodyPr/>
+          <a:lstStyle>
+            <a:lvl1pPr>
+              <a:defRPr sz="4488"/>
+            </a:lvl1pPr>
+          </a:lstStyle>
+          <a:p>
+            <a:r>
+              <a:rPr lang="en-US" dirty="0"/>
+              <a:t>Click to edit Master title style</a:t>
+            </a:r>
+          </a:p>
+        </p:txBody>
+      </p:sp>
+    </p:spTree>
+    <p:extLst>
+      <p:ext uri="{BB962C8B-B14F-4D97-AF65-F5344CB8AC3E}">
+        <p14:creationId xmlns:p14="http://schemas.microsoft.com/office/powerpoint/2010/main" val="1713256428"/>
       </p:ext>
     </p:extLst>
   </p:cSld>
@@ -5263,24 +5263,24 @@
     <p:sldLayoutId id="2147484346" r:id="rId3"/>
     <p:sldLayoutId id="2147484347" r:id="rId4"/>
     <p:sldLayoutId id="2147484348" r:id="rId5"/>
-    <p:sldLayoutId id="2147484349" r:id="rId6"/>
-    <p:sldLayoutId id="2147484350" r:id="rId7"/>
-    <p:sldLayoutId id="2147484351" r:id="rId8"/>
-    <p:sldLayoutId id="2147484352" r:id="rId9"/>
-    <p:sldLayoutId id="2147484353" r:id="rId10"/>
-    <p:sldLayoutId id="2147484354" r:id="rId11"/>
-    <p:sldLayoutId id="2147484355" r:id="rId12"/>
-    <p:sldLayoutId id="2147484356" r:id="rId13"/>
-    <p:sldLayoutId id="2147484357" r:id="rId14"/>
-    <p:sldLayoutId id="2147484358" r:id="rId15"/>
-    <p:sldLayoutId id="2147484359" r:id="rId16"/>
-    <p:sldLayoutId id="2147484360" r:id="rId17"/>
-    <p:sldLayoutId id="2147484361" r:id="rId18"/>
-    <p:sldLayoutId id="2147484362" r:id="rId19"/>
-    <p:sldLayoutId id="2147484363" r:id="rId20"/>
-    <p:sldLayoutId id="2147484364" r:id="rId21"/>
-    <p:sldLayoutId id="2147484371" r:id="rId22"/>
-    <p:sldLayoutId id="2147484372" r:id="rId23"/>
+    <p:sldLayoutId id="2147484350" r:id="rId6"/>
+    <p:sldLayoutId id="2147484351" r:id="rId7"/>
+    <p:sldLayoutId id="2147484352" r:id="rId8"/>
+    <p:sldLayoutId id="2147484353" r:id="rId9"/>
+    <p:sldLayoutId id="2147484354" r:id="rId10"/>
+    <p:sldLayoutId id="2147484355" r:id="rId11"/>
+    <p:sldLayoutId id="2147484356" r:id="rId12"/>
+    <p:sldLayoutId id="2147484357" r:id="rId13"/>
+    <p:sldLayoutId id="2147484358" r:id="rId14"/>
+    <p:sldLayoutId id="2147484359" r:id="rId15"/>
+    <p:sldLayoutId id="2147484360" r:id="rId16"/>
+    <p:sldLayoutId id="2147484361" r:id="rId17"/>
+    <p:sldLayoutId id="2147484362" r:id="rId18"/>
+    <p:sldLayoutId id="2147484363" r:id="rId19"/>
+    <p:sldLayoutId id="2147484364" r:id="rId20"/>
+    <p:sldLayoutId id="2147484371" r:id="rId21"/>
+    <p:sldLayoutId id="2147484372" r:id="rId22"/>
+    <p:sldLayoutId id="2147484373" r:id="rId23"/>
   </p:sldLayoutIdLst>
   <p:txStyles>
     <p:titleStyle>
@@ -5725,57 +5725,195 @@
       </p:pic>
       <p:pic>
         <p:nvPicPr>
-          <p:cNvPr id="1028" name="Picture 4" descr="Image result for mct logo microsoft">
+          <p:cNvPr id="13" name="Picture 12">
             <a:extLst>
               <a:ext uri="{FF2B5EF4-FFF2-40B4-BE49-F238E27FC236}">
-                <a16:creationId xmlns:a16="http://schemas.microsoft.com/office/drawing/2014/main" id="{C2C9CEA5-B428-4D62-B44C-540EA43C823C}"/>
+                <a16:creationId xmlns:a16="http://schemas.microsoft.com/office/drawing/2014/main" id="{6175565F-9629-43D4-B37E-491F83822775}"/>
               </a:ext>
             </a:extLst>
           </p:cNvPr>
           <p:cNvPicPr>
-            <a:picLocks noChangeAspect="1" noChangeArrowheads="1"/>
+            <a:picLocks noChangeAspect="1"/>
           </p:cNvPicPr>
           <p:nvPr/>
         </p:nvPicPr>
         <p:blipFill>
-          <a:blip r:embed="rId4" cstate="print">
+          <a:blip r:embed="rId4">
             <a:extLst>
               <a:ext uri="{28A0092B-C50C-407E-A947-70E740481C1C}">
                 <a14:useLocalDpi xmlns:a14="http://schemas.microsoft.com/office/drawing/2010/main" val="0"/>
               </a:ext>
             </a:extLst>
           </a:blip>
-          <a:srcRect/>
           <a:stretch>
             <a:fillRect/>
           </a:stretch>
         </p:blipFill>
-        <p:spPr bwMode="auto">
-          <a:xfrm>
-            <a:off x="2804644" y="5492093"/>
-            <a:ext cx="1931247" cy="1055339"/>
+        <p:spPr>
+          <a:xfrm>
+            <a:off x="4786672" y="5290941"/>
+            <a:ext cx="1607443" cy="1607443"/>
+          </a:xfrm>
+          <a:prstGeom prst="rect">
+            <a:avLst/>
+          </a:prstGeom>
+        </p:spPr>
+      </p:pic>
+      <p:sp>
+        <p:nvSpPr>
+          <p:cNvPr id="14" name="TextBox 13">
+            <a:extLst>
+              <a:ext uri="{FF2B5EF4-FFF2-40B4-BE49-F238E27FC236}">
+                <a16:creationId xmlns:a16="http://schemas.microsoft.com/office/drawing/2014/main" id="{58F322D1-571A-45D1-A3A3-EE3DD7FF3C6A}"/>
+              </a:ext>
+            </a:extLst>
+          </p:cNvPr>
+          <p:cNvSpPr txBox="1"/>
+          <p:nvPr/>
+        </p:nvSpPr>
+        <p:spPr>
+          <a:xfrm>
+            <a:off x="3770267" y="1630848"/>
+            <a:ext cx="8133133" cy="3295923"/>
           </a:xfrm>
           <a:prstGeom prst="rect">
             <a:avLst/>
           </a:prstGeom>
           <a:noFill/>
-          <a:extLst>
-            <a:ext uri="{909E8E84-426E-40DD-AFC4-6F175D3DCCD1}">
-              <a14:hiddenFill xmlns:a14="http://schemas.microsoft.com/office/drawing/2010/main">
+        </p:spPr>
+        <p:txBody>
+          <a:bodyPr wrap="square" rtlCol="0">
+            <a:spAutoFit/>
+          </a:bodyPr>
+          <a:lstStyle/>
+          <a:p>
+            <a:pPr defTabSz="932597">
+              <a:defRPr/>
+            </a:pPr>
+            <a:r>
+              <a:rPr lang="en-US" sz="3264" u="sng" dirty="0">
                 <a:solidFill>
-                  <a:srgbClr val="FFFFFF"/>
+                  <a:prstClr val="white"/>
                 </a:solidFill>
-              </a14:hiddenFill>
-            </a:ext>
-          </a:extLst>
-        </p:spPr>
-      </p:pic>
+                <a:latin typeface="Arial" panose="020B0604020202020204" pitchFamily="34" charset="0"/>
+                <a:cs typeface="Arial" panose="020B0604020202020204" pitchFamily="34" charset="0"/>
+              </a:rPr>
+              <a:t>John Deardurff </a:t>
+            </a:r>
+          </a:p>
+          <a:p>
+            <a:pPr defTabSz="932597">
+              <a:defRPr/>
+            </a:pPr>
+            <a:r>
+              <a:rPr lang="en-US" sz="2448" dirty="0">
+                <a:solidFill>
+                  <a:prstClr val="white"/>
+                </a:solidFill>
+                <a:latin typeface="Arial" panose="020B0604020202020204" pitchFamily="34" charset="0"/>
+                <a:cs typeface="Arial" panose="020B0604020202020204" pitchFamily="34" charset="0"/>
+              </a:rPr>
+              <a:t>Microsoft Customer Engineer (Global Technical Team)</a:t>
+            </a:r>
+          </a:p>
+          <a:p>
+            <a:pPr defTabSz="932597">
+              <a:defRPr/>
+            </a:pPr>
+            <a:r>
+              <a:rPr lang="en-US" sz="2448" dirty="0">
+                <a:solidFill>
+                  <a:prstClr val="white"/>
+                </a:solidFill>
+                <a:latin typeface="Arial" panose="020B0604020202020204" pitchFamily="34" charset="0"/>
+                <a:cs typeface="Arial" panose="020B0604020202020204" pitchFamily="34" charset="0"/>
+              </a:rPr>
+              <a:t>Microsoft Certified Trainer (Regional Lead)</a:t>
+            </a:r>
+          </a:p>
+          <a:p>
+            <a:pPr defTabSz="932597">
+              <a:defRPr/>
+            </a:pPr>
+            <a:r>
+              <a:rPr lang="en-US" sz="2448" dirty="0">
+                <a:solidFill>
+                  <a:prstClr val="white"/>
+                </a:solidFill>
+                <a:latin typeface="Arial" panose="020B0604020202020204" pitchFamily="34" charset="0"/>
+                <a:cs typeface="Arial" panose="020B0604020202020204" pitchFamily="34" charset="0"/>
+              </a:rPr>
+              <a:t>MVP: Data Platform (2016 – 2018)</a:t>
+            </a:r>
+          </a:p>
+          <a:p>
+            <a:pPr defTabSz="932597">
+              <a:defRPr/>
+            </a:pPr>
+            <a:r>
+              <a:rPr lang="en-US" sz="2448" dirty="0">
+                <a:solidFill>
+                  <a:prstClr val="white"/>
+                </a:solidFill>
+                <a:latin typeface="Arial" panose="020B0604020202020204" pitchFamily="34" charset="0"/>
+                <a:cs typeface="Arial" panose="020B0604020202020204" pitchFamily="34" charset="0"/>
+              </a:rPr>
+              <a:t>Email: John.Deardurff@Microsoft.com</a:t>
+            </a:r>
+          </a:p>
+          <a:p>
+            <a:pPr defTabSz="932597">
+              <a:defRPr/>
+            </a:pPr>
+            <a:r>
+              <a:rPr lang="en-US" sz="2448" dirty="0">
+                <a:solidFill>
+                  <a:prstClr val="white"/>
+                </a:solidFill>
+                <a:latin typeface="Arial" panose="020B0604020202020204" pitchFamily="34" charset="0"/>
+                <a:cs typeface="Arial" panose="020B0604020202020204" pitchFamily="34" charset="0"/>
+              </a:rPr>
+              <a:t>Twitter: @SQLMCT</a:t>
+            </a:r>
+          </a:p>
+          <a:p>
+            <a:pPr defTabSz="932597">
+              <a:defRPr/>
+            </a:pPr>
+            <a:r>
+              <a:rPr lang="en-US" sz="2448" dirty="0">
+                <a:solidFill>
+                  <a:prstClr val="white"/>
+                </a:solidFill>
+                <a:latin typeface="Arial" panose="020B0604020202020204" pitchFamily="34" charset="0"/>
+                <a:cs typeface="Arial" panose="020B0604020202020204" pitchFamily="34" charset="0"/>
+              </a:rPr>
+              <a:t>Website: www.SQLMCT.com</a:t>
+            </a:r>
+          </a:p>
+          <a:p>
+            <a:pPr defTabSz="932597">
+              <a:defRPr/>
+            </a:pPr>
+            <a:r>
+              <a:rPr lang="en-US" sz="2448" dirty="0">
+                <a:solidFill>
+                  <a:prstClr val="white"/>
+                </a:solidFill>
+                <a:latin typeface="Arial" panose="020B0604020202020204" pitchFamily="34" charset="0"/>
+                <a:cs typeface="Arial" panose="020B0604020202020204" pitchFamily="34" charset="0"/>
+              </a:rPr>
+              <a:t>GitHub: github.com\SQLMCT</a:t>
+            </a:r>
+          </a:p>
+        </p:txBody>
+      </p:sp>
       <p:pic>
         <p:nvPicPr>
-          <p:cNvPr id="13" name="Picture 12">
+          <p:cNvPr id="3" name="Picture 2" descr="A person wearing glasses and looking at the camera&#10;&#10;Description automatically generated">
             <a:extLst>
               <a:ext uri="{FF2B5EF4-FFF2-40B4-BE49-F238E27FC236}">
-                <a16:creationId xmlns:a16="http://schemas.microsoft.com/office/drawing/2014/main" id="{6175565F-9629-43D4-B37E-491F83822775}"/>
+                <a16:creationId xmlns:a16="http://schemas.microsoft.com/office/drawing/2014/main" id="{64A39F5A-E418-45B8-9669-C872A8582FC5}"/>
               </a:ext>
             </a:extLst>
           </p:cNvPr>
@@ -5798,162 +5936,6 @@
         </p:blipFill>
         <p:spPr>
           <a:xfrm>
-            <a:off x="5183202" y="5290941"/>
-            <a:ext cx="1607443" cy="1607443"/>
-          </a:xfrm>
-          <a:prstGeom prst="rect">
-            <a:avLst/>
-          </a:prstGeom>
-        </p:spPr>
-      </p:pic>
-      <p:sp>
-        <p:nvSpPr>
-          <p:cNvPr id="14" name="TextBox 13">
-            <a:extLst>
-              <a:ext uri="{FF2B5EF4-FFF2-40B4-BE49-F238E27FC236}">
-                <a16:creationId xmlns:a16="http://schemas.microsoft.com/office/drawing/2014/main" id="{58F322D1-571A-45D1-A3A3-EE3DD7FF3C6A}"/>
-              </a:ext>
-            </a:extLst>
-          </p:cNvPr>
-          <p:cNvSpPr txBox="1"/>
-          <p:nvPr/>
-        </p:nvSpPr>
-        <p:spPr>
-          <a:xfrm>
-            <a:off x="3770267" y="1750203"/>
-            <a:ext cx="8133133" cy="2911717"/>
-          </a:xfrm>
-          <a:prstGeom prst="rect">
-            <a:avLst/>
-          </a:prstGeom>
-          <a:noFill/>
-        </p:spPr>
-        <p:txBody>
-          <a:bodyPr wrap="square" rtlCol="0">
-            <a:spAutoFit/>
-          </a:bodyPr>
-          <a:lstStyle/>
-          <a:p>
-            <a:pPr defTabSz="932597"/>
-            <a:r>
-              <a:rPr lang="en-US" sz="3264" u="sng" dirty="0">
-                <a:solidFill>
-                  <a:prstClr val="white"/>
-                </a:solidFill>
-                <a:latin typeface="Arial" panose="020B0604020202020204" pitchFamily="34" charset="0"/>
-                <a:cs typeface="Arial" panose="020B0604020202020204" pitchFamily="34" charset="0"/>
-              </a:rPr>
-              <a:t>John Deardurff </a:t>
-            </a:r>
-          </a:p>
-          <a:p>
-            <a:pPr defTabSz="932597"/>
-            <a:r>
-              <a:rPr lang="en-US" sz="2448" dirty="0">
-                <a:solidFill>
-                  <a:prstClr val="white"/>
-                </a:solidFill>
-                <a:latin typeface="Arial" panose="020B0604020202020204" pitchFamily="34" charset="0"/>
-                <a:cs typeface="Arial" panose="020B0604020202020204" pitchFamily="34" charset="0"/>
-              </a:rPr>
-              <a:t>Customer Engineer (Global Technical Team)</a:t>
-            </a:r>
-          </a:p>
-          <a:p>
-            <a:pPr defTabSz="932597"/>
-            <a:r>
-              <a:rPr lang="en-US" sz="2448" dirty="0">
-                <a:solidFill>
-                  <a:prstClr val="white"/>
-                </a:solidFill>
-                <a:latin typeface="Arial" panose="020B0604020202020204" pitchFamily="34" charset="0"/>
-                <a:cs typeface="Arial" panose="020B0604020202020204" pitchFamily="34" charset="0"/>
-              </a:rPr>
-              <a:t>Microsoft Certified Trainer (Regional Lead)</a:t>
-            </a:r>
-          </a:p>
-          <a:p>
-            <a:pPr defTabSz="932597"/>
-            <a:r>
-              <a:rPr lang="en-US" sz="2448" dirty="0">
-                <a:solidFill>
-                  <a:prstClr val="white"/>
-                </a:solidFill>
-                <a:latin typeface="Arial" panose="020B0604020202020204" pitchFamily="34" charset="0"/>
-                <a:cs typeface="Arial" panose="020B0604020202020204" pitchFamily="34" charset="0"/>
-              </a:rPr>
-              <a:t>MVP: Data Platform (2016 – 2018)</a:t>
-            </a:r>
-          </a:p>
-          <a:p>
-            <a:pPr defTabSz="932597"/>
-            <a:r>
-              <a:rPr lang="en-US" sz="2448" dirty="0">
-                <a:solidFill>
-                  <a:prstClr val="white"/>
-                </a:solidFill>
-                <a:latin typeface="Arial" panose="020B0604020202020204" pitchFamily="34" charset="0"/>
-                <a:cs typeface="Arial" panose="020B0604020202020204" pitchFamily="34" charset="0"/>
-              </a:rPr>
-              <a:t>Twitter: @SQLMCT</a:t>
-            </a:r>
-          </a:p>
-          <a:p>
-            <a:pPr defTabSz="932597"/>
-            <a:r>
-              <a:rPr lang="en-US" sz="2448" dirty="0">
-                <a:solidFill>
-                  <a:prstClr val="white"/>
-                </a:solidFill>
-                <a:latin typeface="Arial" panose="020B0604020202020204" pitchFamily="34" charset="0"/>
-                <a:cs typeface="Arial" panose="020B0604020202020204" pitchFamily="34" charset="0"/>
-              </a:rPr>
-              <a:t>Website: www.SQLMCT.com</a:t>
-            </a:r>
-          </a:p>
-          <a:p>
-            <a:pPr defTabSz="932597"/>
-            <a:r>
-              <a:rPr lang="en-US" sz="2448" dirty="0">
-                <a:solidFill>
-                  <a:prstClr val="white"/>
-                </a:solidFill>
-                <a:latin typeface="Arial" panose="020B0604020202020204" pitchFamily="34" charset="0"/>
-                <a:cs typeface="Arial" panose="020B0604020202020204" pitchFamily="34" charset="0"/>
-              </a:rPr>
-              <a:t>GitHub: github.com\SQLMCT</a:t>
-            </a:r>
-          </a:p>
-        </p:txBody>
-      </p:sp>
-      <p:pic>
-        <p:nvPicPr>
-          <p:cNvPr id="3" name="Picture 2" descr="A person wearing glasses and looking at the camera&#10;&#10;Description automatically generated">
-            <a:extLst>
-              <a:ext uri="{FF2B5EF4-FFF2-40B4-BE49-F238E27FC236}">
-                <a16:creationId xmlns:a16="http://schemas.microsoft.com/office/drawing/2014/main" id="{64A39F5A-E418-45B8-9669-C872A8582FC5}"/>
-              </a:ext>
-            </a:extLst>
-          </p:cNvPr>
-          <p:cNvPicPr>
-            <a:picLocks noChangeAspect="1"/>
-          </p:cNvPicPr>
-          <p:nvPr/>
-        </p:nvPicPr>
-        <p:blipFill>
-          <a:blip r:embed="rId6">
-            <a:extLst>
-              <a:ext uri="{28A0092B-C50C-407E-A947-70E740481C1C}">
-                <a14:useLocalDpi xmlns:a14="http://schemas.microsoft.com/office/drawing/2010/main" val="0"/>
-              </a:ext>
-            </a:extLst>
-          </a:blip>
-          <a:stretch>
-            <a:fillRect/>
-          </a:stretch>
-        </p:blipFill>
-        <p:spPr>
-          <a:xfrm>
             <a:off x="432538" y="1750203"/>
             <a:ext cx="2994500" cy="2994500"/>
           </a:xfrm>
@@ -5986,6 +5968,53 @@
             <a:extLst>
               <a:ext uri="{FF2B5EF4-FFF2-40B4-BE49-F238E27FC236}">
                 <a16:creationId xmlns:a16="http://schemas.microsoft.com/office/drawing/2014/main" id="{D060B391-0B37-4C2B-9530-1749C6AD6778}"/>
+              </a:ext>
+            </a:extLst>
+          </p:cNvPr>
+          <p:cNvPicPr>
+            <a:picLocks noChangeAspect="1" noChangeArrowheads="1"/>
+          </p:cNvPicPr>
+          <p:nvPr/>
+        </p:nvPicPr>
+        <p:blipFill>
+          <a:blip r:embed="rId6">
+            <a:extLst>
+              <a:ext uri="{28A0092B-C50C-407E-A947-70E740481C1C}">
+                <a14:useLocalDpi xmlns:a14="http://schemas.microsoft.com/office/drawing/2010/main" val="0"/>
+              </a:ext>
+            </a:extLst>
+          </a:blip>
+          <a:srcRect/>
+          <a:stretch>
+            <a:fillRect/>
+          </a:stretch>
+        </p:blipFill>
+        <p:spPr bwMode="auto">
+          <a:xfrm>
+            <a:off x="6741441" y="5282432"/>
+            <a:ext cx="1607443" cy="1607443"/>
+          </a:xfrm>
+          <a:prstGeom prst="rect">
+            <a:avLst/>
+          </a:prstGeom>
+          <a:noFill/>
+          <a:extLst>
+            <a:ext uri="{909E8E84-426E-40DD-AFC4-6F175D3DCCD1}">
+              <a14:hiddenFill xmlns:a14="http://schemas.microsoft.com/office/drawing/2010/main">
+                <a:solidFill>
+                  <a:srgbClr val="FFFFFF"/>
+                </a:solidFill>
+              </a14:hiddenFill>
+            </a:ext>
+          </a:extLst>
+        </p:spPr>
+      </p:pic>
+      <p:pic>
+        <p:nvPicPr>
+          <p:cNvPr id="3074" name="Picture 2">
+            <a:extLst>
+              <a:ext uri="{FF2B5EF4-FFF2-40B4-BE49-F238E27FC236}">
+                <a16:creationId xmlns:a16="http://schemas.microsoft.com/office/drawing/2014/main" id="{1E5684DD-3E09-4869-BDAD-AF76AA421964}"/>
               </a:ext>
             </a:extLst>
           </p:cNvPr>
@@ -6009,7 +6038,7 @@
         </p:blipFill>
         <p:spPr bwMode="auto">
           <a:xfrm>
-            <a:off x="8650770" y="5290941"/>
+            <a:off x="10650978" y="5290941"/>
             <a:ext cx="1607443" cy="1607443"/>
           </a:xfrm>
           <a:prstGeom prst="rect">
@@ -6029,10 +6058,10 @@
       </p:pic>
       <p:pic>
         <p:nvPicPr>
-          <p:cNvPr id="2050" name="Picture 2">
+          <p:cNvPr id="4" name="Picture 2">
             <a:extLst>
               <a:ext uri="{FF2B5EF4-FFF2-40B4-BE49-F238E27FC236}">
-                <a16:creationId xmlns:a16="http://schemas.microsoft.com/office/drawing/2014/main" id="{092CA7DD-2E11-4BC0-9805-1756F9E5E589}"/>
+                <a16:creationId xmlns:a16="http://schemas.microsoft.com/office/drawing/2014/main" id="{49E05C38-6E25-47B1-A21C-A0665965F602}"/>
               </a:ext>
             </a:extLst>
           </p:cNvPr>
@@ -6056,7 +6085,7 @@
         </p:blipFill>
         <p:spPr bwMode="auto">
           <a:xfrm>
-            <a:off x="6916986" y="5290941"/>
+            <a:off x="8696209" y="5290941"/>
             <a:ext cx="1607443" cy="1607443"/>
           </a:xfrm>
           <a:prstGeom prst="rect">
@@ -6076,10 +6105,10 @@
       </p:pic>
       <p:pic>
         <p:nvPicPr>
-          <p:cNvPr id="3074" name="Picture 2">
+          <p:cNvPr id="2050" name="Picture 2">
             <a:extLst>
               <a:ext uri="{FF2B5EF4-FFF2-40B4-BE49-F238E27FC236}">
-                <a16:creationId xmlns:a16="http://schemas.microsoft.com/office/drawing/2014/main" id="{1E5684DD-3E09-4869-BDAD-AF76AA421964}"/>
+                <a16:creationId xmlns:a16="http://schemas.microsoft.com/office/drawing/2014/main" id="{567D70A4-BBFF-4866-A1EC-54FCAA0D07D3}"/>
               </a:ext>
             </a:extLst>
           </p:cNvPr>
@@ -6103,8 +6132,8 @@
         </p:blipFill>
         <p:spPr bwMode="auto">
           <a:xfrm>
-            <a:off x="10384555" y="5290941"/>
-            <a:ext cx="1607443" cy="1607443"/>
+            <a:off x="2786382" y="5269294"/>
+            <a:ext cx="1652965" cy="1652965"/>
           </a:xfrm>
           <a:prstGeom prst="rect">
             <a:avLst/>
@@ -6124,7 +6153,7 @@
     </p:spTree>
     <p:extLst>
       <p:ext uri="{BB962C8B-B14F-4D97-AF65-F5344CB8AC3E}">
-        <p14:creationId xmlns:p14="http://schemas.microsoft.com/office/powerpoint/2010/main" val="709629581"/>
+        <p14:creationId xmlns:p14="http://schemas.microsoft.com/office/powerpoint/2010/main" val="2405206243"/>
       </p:ext>
     </p:extLst>
   </p:cSld>
@@ -7465,6 +7494,34 @@
 </file>
 
 <file path=customXml/item1.xml><?xml version="1.0" encoding="utf-8"?>
+<p:properties xmlns:p="http://schemas.microsoft.com/office/2006/metadata/properties" xmlns:xsi="http://www.w3.org/2001/XMLSchema-instance" xmlns:pc="http://schemas.microsoft.com/office/infopath/2007/PartnerControls">
+  <documentManagement>
+    <SharedWithUsers xmlns="7ed30aa2-a9a3-48dd-93de-4f2bc034e61b">
+      <UserInfo>
+        <DisplayName/>
+        <AccountId xsi:nil="true"/>
+        <AccountType/>
+      </UserInfo>
+    </SharedWithUsers>
+    <_dlc_DocId xmlns="230e9df3-be65-4c73-a93b-d1236ebd677e">CPS089-2103211598-1102</_dlc_DocId>
+    <_dlc_DocIdUrl xmlns="230e9df3-be65-4c73-a93b-d1236ebd677e">
+      <Url>https://microsoft.sharepoint.com/teams/CampusProjectSites089/hahzsakosd/ipdev/_layouts/15/DocIdRedir.aspx?ID=CPS089-2103211598-1102</Url>
+      <Description>CPS089-2103211598-1102</Description>
+    </_dlc_DocIdUrl>
+  </documentManagement>
+</p:properties>
+</file>
+
+<file path=customXml/item2.xml><?xml version="1.0" encoding="utf-8"?>
+<?mso-contentType ?>
+<FormTemplates xmlns="http://schemas.microsoft.com/sharepoint/v3/contenttype/forms">
+  <Display>DocumentLibraryForm</Display>
+  <Edit>DocumentLibraryForm</Edit>
+  <New>DocumentLibraryForm</New>
+</FormTemplates>
+</file>
+
+<file path=customXml/item3.xml><?xml version="1.0" encoding="utf-8"?>
 <?mso-contentType ?>
 <spe:Receivers xmlns:spe="http://schemas.microsoft.com/sharepoint/events">
   <Receiver>
@@ -7512,34 +7569,6 @@
     <Filter/>
   </Receiver>
 </spe:Receivers>
-</file>
-
-<file path=customXml/item2.xml><?xml version="1.0" encoding="utf-8"?>
-<?mso-contentType ?>
-<FormTemplates xmlns="http://schemas.microsoft.com/sharepoint/v3/contenttype/forms">
-  <Display>DocumentLibraryForm</Display>
-  <Edit>DocumentLibraryForm</Edit>
-  <New>DocumentLibraryForm</New>
-</FormTemplates>
-</file>
-
-<file path=customXml/item3.xml><?xml version="1.0" encoding="utf-8"?>
-<p:properties xmlns:p="http://schemas.microsoft.com/office/2006/metadata/properties" xmlns:xsi="http://www.w3.org/2001/XMLSchema-instance" xmlns:pc="http://schemas.microsoft.com/office/infopath/2007/PartnerControls">
-  <documentManagement>
-    <SharedWithUsers xmlns="7ed30aa2-a9a3-48dd-93de-4f2bc034e61b">
-      <UserInfo>
-        <DisplayName/>
-        <AccountId xsi:nil="true"/>
-        <AccountType/>
-      </UserInfo>
-    </SharedWithUsers>
-    <_dlc_DocId xmlns="230e9df3-be65-4c73-a93b-d1236ebd677e">CPS089-2103211598-1102</_dlc_DocId>
-    <_dlc_DocIdUrl xmlns="230e9df3-be65-4c73-a93b-d1236ebd677e">
-      <Url>https://microsoft.sharepoint.com/teams/CampusProjectSites089/hahzsakosd/ipdev/_layouts/15/DocIdRedir.aspx?ID=CPS089-2103211598-1102</Url>
-      <Description>CPS089-2103211598-1102</Description>
-    </_dlc_DocIdUrl>
-  </documentManagement>
-</p:properties>
 </file>
 
 <file path=customXml/item4.xml><?xml version="1.0" encoding="utf-8"?>
@@ -7735,9 +7764,12 @@
 </file>
 
 <file path=customXml/itemProps1.xml><?xml version="1.0" encoding="utf-8"?>
-<ds:datastoreItem xmlns:ds="http://schemas.openxmlformats.org/officeDocument/2006/customXml" ds:itemID="{1A9C70AF-A8CE-44C7-BAAE-67706C471353}">
+<ds:datastoreItem xmlns:ds="http://schemas.openxmlformats.org/officeDocument/2006/customXml" ds:itemID="{F990F116-B58F-4255-B05B-DA3808E0E5C6}">
   <ds:schemaRefs>
-    <ds:schemaRef ds:uri="http://schemas.microsoft.com/sharepoint/events"/>
+    <ds:schemaRef ds:uri="http://schemas.microsoft.com/office/2006/metadata/properties"/>
+    <ds:schemaRef ds:uri="http://schemas.microsoft.com/office/infopath/2007/PartnerControls"/>
+    <ds:schemaRef ds:uri="7ed30aa2-a9a3-48dd-93de-4f2bc034e61b"/>
+    <ds:schemaRef ds:uri="230e9df3-be65-4c73-a93b-d1236ebd677e"/>
   </ds:schemaRefs>
 </ds:datastoreItem>
 </file>
@@ -7751,12 +7783,9 @@
 </file>
 
 <file path=customXml/itemProps3.xml><?xml version="1.0" encoding="utf-8"?>
-<ds:datastoreItem xmlns:ds="http://schemas.openxmlformats.org/officeDocument/2006/customXml" ds:itemID="{F990F116-B58F-4255-B05B-DA3808E0E5C6}">
+<ds:datastoreItem xmlns:ds="http://schemas.openxmlformats.org/officeDocument/2006/customXml" ds:itemID="{1A9C70AF-A8CE-44C7-BAAE-67706C471353}">
   <ds:schemaRefs>
-    <ds:schemaRef ds:uri="http://schemas.microsoft.com/office/2006/metadata/properties"/>
-    <ds:schemaRef ds:uri="http://schemas.microsoft.com/office/infopath/2007/PartnerControls"/>
-    <ds:schemaRef ds:uri="7ed30aa2-a9a3-48dd-93de-4f2bc034e61b"/>
-    <ds:schemaRef ds:uri="230e9df3-be65-4c73-a93b-d1236ebd677e"/>
+    <ds:schemaRef ds:uri="http://schemas.microsoft.com/sharepoint/events"/>
   </ds:schemaRefs>
 </ds:datastoreItem>
 </file>
@@ -7778,4 +7807,10 @@
     <ds:schemaRef ds:uri="http://schemas.microsoft.com/internal/obd"/>
   </ds:schemaRefs>
 </ds:datastoreItem>
+</file>
+
+<file path=docMetadata/LabelInfo.xml><?xml version="1.0" encoding="utf-8"?>
+<clbl:labelList xmlns:clbl="http://schemas.microsoft.com/office/2020/mipLabelMetadata">
+  <clbl:label id="{f42aa342-8706-4288-bd11-ebb85995028c}" enabled="1" method="Privileged" siteId="{72f988bf-86f1-41af-91ab-2d7cd011db47}" removed="0"/>
+</clbl:labelList>
 </file>